--- a/slides/FIrmware-Upgrade.pptx
+++ b/slides/FIrmware-Upgrade.pptx
@@ -6,6 +6,8 @@
   </p:sldMasterIdLst>
   <p:sldIdLst>
     <p:sldId id="256" r:id="rId2"/>
+    <p:sldId id="257" r:id="rId3"/>
+    <p:sldId id="258" r:id="rId4"/>
   </p:sldIdLst>
   <p:sldSz cx="12192000" cy="6858000"/>
   <p:notesSz cx="6858000" cy="9144000"/>
@@ -3440,6 +3442,361 @@
 </p:sld>
 </file>
 
+<file path=ppt/slides/slide2.xml><?xml version="1.0" encoding="utf-8"?>
+<p:sld xmlns:a="http://schemas.openxmlformats.org/drawingml/2006/main" xmlns:r="http://schemas.openxmlformats.org/officeDocument/2006/relationships" xmlns:p="http://schemas.openxmlformats.org/presentationml/2006/main">
+  <p:cSld>
+    <p:spTree>
+      <p:nvGrpSpPr>
+        <p:cNvPr id="1" name=""/>
+        <p:cNvGrpSpPr/>
+        <p:nvPr/>
+      </p:nvGrpSpPr>
+      <p:grpSpPr>
+        <a:xfrm>
+          <a:off x="0" y="0"/>
+          <a:ext cx="0" cy="0"/>
+          <a:chOff x="0" y="0"/>
+          <a:chExt cx="0" cy="0"/>
+        </a:xfrm>
+      </p:grpSpPr>
+      <p:sp>
+        <p:nvSpPr>
+          <p:cNvPr id="2" name="Title 1">
+            <a:extLst>
+              <a:ext uri="{FF2B5EF4-FFF2-40B4-BE49-F238E27FC236}">
+                <a16:creationId xmlns:a16="http://schemas.microsoft.com/office/drawing/2014/main" id="{4F09CCF4-01C3-C52D-D1B7-4F3830A0B926}"/>
+              </a:ext>
+            </a:extLst>
+          </p:cNvPr>
+          <p:cNvSpPr>
+            <a:spLocks noGrp="1"/>
+          </p:cNvSpPr>
+          <p:nvPr>
+            <p:ph type="title"/>
+          </p:nvPr>
+        </p:nvSpPr>
+        <p:spPr/>
+        <p:txBody>
+          <a:bodyPr/>
+          <a:lstStyle/>
+          <a:p>
+            <a:endParaRPr lang="en-US"/>
+          </a:p>
+        </p:txBody>
+      </p:sp>
+      <p:pic>
+        <p:nvPicPr>
+          <p:cNvPr id="4" name="Picture 3">
+            <a:extLst>
+              <a:ext uri="{FF2B5EF4-FFF2-40B4-BE49-F238E27FC236}">
+                <a16:creationId xmlns:a16="http://schemas.microsoft.com/office/drawing/2014/main" id="{E331B6CC-94DB-BF22-D76C-5565B24E7905}"/>
+              </a:ext>
+            </a:extLst>
+          </p:cNvPr>
+          <p:cNvPicPr>
+            <a:picLocks noChangeAspect="1"/>
+          </p:cNvPicPr>
+          <p:nvPr/>
+        </p:nvPicPr>
+        <p:blipFill>
+          <a:blip r:embed="rId2"/>
+          <a:stretch>
+            <a:fillRect/>
+          </a:stretch>
+        </p:blipFill>
+        <p:spPr>
+          <a:xfrm>
+            <a:off x="4410941" y="2016991"/>
+            <a:ext cx="3009900" cy="4597400"/>
+          </a:xfrm>
+          <a:prstGeom prst="rect">
+            <a:avLst/>
+          </a:prstGeom>
+        </p:spPr>
+      </p:pic>
+      <p:sp>
+        <p:nvSpPr>
+          <p:cNvPr id="5" name="TextBox 4">
+            <a:extLst>
+              <a:ext uri="{FF2B5EF4-FFF2-40B4-BE49-F238E27FC236}">
+                <a16:creationId xmlns:a16="http://schemas.microsoft.com/office/drawing/2014/main" id="{AFD3E6C4-C6FC-AF67-9027-FF968EA1247A}"/>
+              </a:ext>
+            </a:extLst>
+          </p:cNvPr>
+          <p:cNvSpPr txBox="1"/>
+          <p:nvPr/>
+        </p:nvSpPr>
+        <p:spPr>
+          <a:xfrm>
+            <a:off x="3358858" y="2921214"/>
+            <a:ext cx="1052083" cy="646331"/>
+          </a:xfrm>
+          <a:prstGeom prst="rect">
+            <a:avLst/>
+          </a:prstGeom>
+          <a:noFill/>
+        </p:spPr>
+        <p:txBody>
+          <a:bodyPr wrap="none" rtlCol="0">
+            <a:spAutoFit/>
+          </a:bodyPr>
+          <a:lstStyle/>
+          <a:p>
+            <a:r>
+              <a:rPr lang="en-US" b="1" dirty="0"/>
+              <a:t>BOOTSEL</a:t>
+            </a:r>
+          </a:p>
+          <a:p>
+            <a:r>
+              <a:rPr lang="en-US" b="1" dirty="0"/>
+              <a:t>Button</a:t>
+            </a:r>
+          </a:p>
+        </p:txBody>
+      </p:sp>
+      <p:sp>
+        <p:nvSpPr>
+          <p:cNvPr id="6" name="TextBox 5">
+            <a:extLst>
+              <a:ext uri="{FF2B5EF4-FFF2-40B4-BE49-F238E27FC236}">
+                <a16:creationId xmlns:a16="http://schemas.microsoft.com/office/drawing/2014/main" id="{E7FA11F2-AEC9-5DB0-3D13-D15C1D571482}"/>
+              </a:ext>
+            </a:extLst>
+          </p:cNvPr>
+          <p:cNvSpPr txBox="1"/>
+          <p:nvPr/>
+        </p:nvSpPr>
+        <p:spPr>
+          <a:xfrm>
+            <a:off x="7420841" y="3029864"/>
+            <a:ext cx="2819362" cy="369332"/>
+          </a:xfrm>
+          <a:prstGeom prst="rect">
+            <a:avLst/>
+          </a:prstGeom>
+          <a:noFill/>
+        </p:spPr>
+        <p:txBody>
+          <a:bodyPr wrap="none" rtlCol="0">
+            <a:spAutoFit/>
+          </a:bodyPr>
+          <a:lstStyle/>
+          <a:p>
+            <a:r>
+              <a:rPr lang="en-US" dirty="0"/>
+              <a:t>Hold down during power on</a:t>
+            </a:r>
+          </a:p>
+        </p:txBody>
+      </p:sp>
+    </p:spTree>
+    <p:extLst>
+      <p:ext uri="{BB962C8B-B14F-4D97-AF65-F5344CB8AC3E}">
+        <p14:creationId xmlns:p14="http://schemas.microsoft.com/office/powerpoint/2010/main" val="3691978954"/>
+      </p:ext>
+    </p:extLst>
+  </p:cSld>
+  <p:clrMapOvr>
+    <a:masterClrMapping/>
+  </p:clrMapOvr>
+</p:sld>
+</file>
+
+<file path=ppt/slides/slide3.xml><?xml version="1.0" encoding="utf-8"?>
+<p:sld xmlns:a="http://schemas.openxmlformats.org/drawingml/2006/main" xmlns:r="http://schemas.openxmlformats.org/officeDocument/2006/relationships" xmlns:p="http://schemas.openxmlformats.org/presentationml/2006/main">
+  <p:cSld>
+    <p:spTree>
+      <p:nvGrpSpPr>
+        <p:cNvPr id="1" name=""/>
+        <p:cNvGrpSpPr/>
+        <p:nvPr/>
+      </p:nvGrpSpPr>
+      <p:grpSpPr>
+        <a:xfrm>
+          <a:off x="0" y="0"/>
+          <a:ext cx="0" cy="0"/>
+          <a:chOff x="0" y="0"/>
+          <a:chExt cx="0" cy="0"/>
+        </a:xfrm>
+      </p:grpSpPr>
+      <p:sp>
+        <p:nvSpPr>
+          <p:cNvPr id="2" name="Title 1">
+            <a:extLst>
+              <a:ext uri="{FF2B5EF4-FFF2-40B4-BE49-F238E27FC236}">
+                <a16:creationId xmlns:a16="http://schemas.microsoft.com/office/drawing/2014/main" id="{E160035D-2BCD-1BA4-4EA5-B121115DEC31}"/>
+              </a:ext>
+            </a:extLst>
+          </p:cNvPr>
+          <p:cNvSpPr>
+            <a:spLocks noGrp="1"/>
+          </p:cNvSpPr>
+          <p:nvPr>
+            <p:ph type="title"/>
+          </p:nvPr>
+        </p:nvSpPr>
+        <p:spPr/>
+        <p:txBody>
+          <a:bodyPr/>
+          <a:lstStyle/>
+          <a:p>
+            <a:endParaRPr lang="en-US"/>
+          </a:p>
+        </p:txBody>
+      </p:sp>
+      <p:sp>
+        <p:nvSpPr>
+          <p:cNvPr id="3" name="Content Placeholder 2">
+            <a:extLst>
+              <a:ext uri="{FF2B5EF4-FFF2-40B4-BE49-F238E27FC236}">
+                <a16:creationId xmlns:a16="http://schemas.microsoft.com/office/drawing/2014/main" id="{BD0CF283-5F58-27AA-08D7-B495C1F1C58F}"/>
+              </a:ext>
+            </a:extLst>
+          </p:cNvPr>
+          <p:cNvSpPr>
+            <a:spLocks noGrp="1"/>
+          </p:cNvSpPr>
+          <p:nvPr>
+            <p:ph idx="1"/>
+          </p:nvPr>
+        </p:nvSpPr>
+        <p:spPr>
+          <a:xfrm>
+            <a:off x="838200" y="4516581"/>
+            <a:ext cx="10515600" cy="1660381"/>
+          </a:xfrm>
+        </p:spPr>
+        <p:txBody>
+          <a:bodyPr/>
+          <a:lstStyle/>
+          <a:p>
+            <a:endParaRPr lang="en-US" dirty="0"/>
+          </a:p>
+        </p:txBody>
+      </p:sp>
+      <p:pic>
+        <p:nvPicPr>
+          <p:cNvPr id="4" name="Picture 3">
+            <a:extLst>
+              <a:ext uri="{FF2B5EF4-FFF2-40B4-BE49-F238E27FC236}">
+                <a16:creationId xmlns:a16="http://schemas.microsoft.com/office/drawing/2014/main" id="{882F4DE8-4428-3427-560A-7BB3DBFF2CCF}"/>
+              </a:ext>
+            </a:extLst>
+          </p:cNvPr>
+          <p:cNvPicPr>
+            <a:picLocks noChangeAspect="1"/>
+          </p:cNvPicPr>
+          <p:nvPr/>
+        </p:nvPicPr>
+        <p:blipFill>
+          <a:blip r:embed="rId2"/>
+          <a:stretch>
+            <a:fillRect/>
+          </a:stretch>
+        </p:blipFill>
+        <p:spPr>
+          <a:xfrm>
+            <a:off x="4540250" y="2635250"/>
+            <a:ext cx="3111500" cy="1587500"/>
+          </a:xfrm>
+          <a:prstGeom prst="rect">
+            <a:avLst/>
+          </a:prstGeom>
+        </p:spPr>
+      </p:pic>
+      <p:cxnSp>
+        <p:nvCxnSpPr>
+          <p:cNvPr id="6" name="Straight Arrow Connector 5">
+            <a:extLst>
+              <a:ext uri="{FF2B5EF4-FFF2-40B4-BE49-F238E27FC236}">
+                <a16:creationId xmlns:a16="http://schemas.microsoft.com/office/drawing/2014/main" id="{E2AB938E-95D1-E4E8-7BC9-0B57B6F3EE12}"/>
+              </a:ext>
+            </a:extLst>
+          </p:cNvPr>
+          <p:cNvCxnSpPr>
+            <a:cxnSpLocks/>
+          </p:cNvCxnSpPr>
+          <p:nvPr/>
+        </p:nvCxnSpPr>
+        <p:spPr>
+          <a:xfrm flipV="1">
+            <a:off x="5403273" y="3141785"/>
+            <a:ext cx="1736081" cy="114033"/>
+          </a:xfrm>
+          <a:prstGeom prst="straightConnector1">
+            <a:avLst/>
+          </a:prstGeom>
+          <a:ln w="101600">
+            <a:solidFill>
+              <a:srgbClr val="FF0000"/>
+            </a:solidFill>
+            <a:tailEnd type="triangle"/>
+          </a:ln>
+        </p:spPr>
+        <p:style>
+          <a:lnRef idx="1">
+            <a:schemeClr val="accent1"/>
+          </a:lnRef>
+          <a:fillRef idx="0">
+            <a:schemeClr val="accent1"/>
+          </a:fillRef>
+          <a:effectRef idx="0">
+            <a:schemeClr val="accent1"/>
+          </a:effectRef>
+          <a:fontRef idx="minor">
+            <a:schemeClr val="tx1"/>
+          </a:fontRef>
+        </p:style>
+      </p:cxnSp>
+      <p:sp>
+        <p:nvSpPr>
+          <p:cNvPr id="7" name="TextBox 6">
+            <a:extLst>
+              <a:ext uri="{FF2B5EF4-FFF2-40B4-BE49-F238E27FC236}">
+                <a16:creationId xmlns:a16="http://schemas.microsoft.com/office/drawing/2014/main" id="{3294BEE0-FE4F-9148-DB61-D714A10B063D}"/>
+              </a:ext>
+            </a:extLst>
+          </p:cNvPr>
+          <p:cNvSpPr txBox="1"/>
+          <p:nvPr/>
+        </p:nvSpPr>
+        <p:spPr>
+          <a:xfrm>
+            <a:off x="4205645" y="2156753"/>
+            <a:ext cx="3988528" cy="369332"/>
+          </a:xfrm>
+          <a:prstGeom prst="rect">
+            <a:avLst/>
+          </a:prstGeom>
+          <a:noFill/>
+        </p:spPr>
+        <p:txBody>
+          <a:bodyPr wrap="none" rtlCol="0">
+            <a:spAutoFit/>
+          </a:bodyPr>
+          <a:lstStyle/>
+          <a:p>
+            <a:r>
+              <a:rPr lang="en-US" dirty="0"/>
+              <a:t>Drag the .uf2 file over the RPI-RP2 folder</a:t>
+            </a:r>
+          </a:p>
+        </p:txBody>
+      </p:sp>
+    </p:spTree>
+    <p:extLst>
+      <p:ext uri="{BB962C8B-B14F-4D97-AF65-F5344CB8AC3E}">
+        <p14:creationId xmlns:p14="http://schemas.microsoft.com/office/powerpoint/2010/main" val="1582897089"/>
+      </p:ext>
+    </p:extLst>
+  </p:cSld>
+  <p:clrMapOvr>
+    <a:masterClrMapping/>
+  </p:clrMapOvr>
+</p:sld>
+</file>
+
 <file path=ppt/theme/theme1.xml><?xml version="1.0" encoding="utf-8"?>
 <a:theme xmlns:a="http://schemas.openxmlformats.org/drawingml/2006/main" name="Office Theme">
   <a:themeElements>

--- a/slides/FIrmware-Upgrade.pptx
+++ b/slides/FIrmware-Upgrade.pptx
@@ -8,6 +8,7 @@
     <p:sldId id="256" r:id="rId2"/>
     <p:sldId id="257" r:id="rId3"/>
     <p:sldId id="258" r:id="rId4"/>
+    <p:sldId id="259" r:id="rId5"/>
   </p:sldIdLst>
   <p:sldSz cx="12192000" cy="6858000"/>
   <p:notesSz cx="6858000" cy="9144000"/>
@@ -106,6 +107,11 @@
       </a:defRPr>
     </a:lvl9pPr>
   </p:defaultTextStyle>
+  <p:extLst>
+    <p:ext uri="{EFAFB233-063F-42B5-8137-9DF3F51BA10A}">
+      <p15:sldGuideLst xmlns:p15="http://schemas.microsoft.com/office/powerpoint/2012/main"/>
+    </p:ext>
+  </p:extLst>
 </p:presentation>
 </file>
 
@@ -256,7 +262,7 @@
           <a:p>
             <a:fld id="{E05ED4C6-93C0-7D41-A25E-F429892D6F8C}" type="datetimeFigureOut">
               <a:rPr lang="en-US" smtClean="0"/>
-              <a:t>1/17/24</a:t>
+              <a:t>1/24/24</a:t>
             </a:fld>
             <a:endParaRPr lang="en-US"/>
           </a:p>
@@ -454,7 +460,7 @@
           <a:p>
             <a:fld id="{E05ED4C6-93C0-7D41-A25E-F429892D6F8C}" type="datetimeFigureOut">
               <a:rPr lang="en-US" smtClean="0"/>
-              <a:t>1/17/24</a:t>
+              <a:t>1/24/24</a:t>
             </a:fld>
             <a:endParaRPr lang="en-US"/>
           </a:p>
@@ -662,7 +668,7 @@
           <a:p>
             <a:fld id="{E05ED4C6-93C0-7D41-A25E-F429892D6F8C}" type="datetimeFigureOut">
               <a:rPr lang="en-US" smtClean="0"/>
-              <a:t>1/17/24</a:t>
+              <a:t>1/24/24</a:t>
             </a:fld>
             <a:endParaRPr lang="en-US"/>
           </a:p>
@@ -860,7 +866,7 @@
           <a:p>
             <a:fld id="{E05ED4C6-93C0-7D41-A25E-F429892D6F8C}" type="datetimeFigureOut">
               <a:rPr lang="en-US" smtClean="0"/>
-              <a:t>1/17/24</a:t>
+              <a:t>1/24/24</a:t>
             </a:fld>
             <a:endParaRPr lang="en-US"/>
           </a:p>
@@ -1135,7 +1141,7 @@
           <a:p>
             <a:fld id="{E05ED4C6-93C0-7D41-A25E-F429892D6F8C}" type="datetimeFigureOut">
               <a:rPr lang="en-US" smtClean="0"/>
-              <a:t>1/17/24</a:t>
+              <a:t>1/24/24</a:t>
             </a:fld>
             <a:endParaRPr lang="en-US"/>
           </a:p>
@@ -1400,7 +1406,7 @@
           <a:p>
             <a:fld id="{E05ED4C6-93C0-7D41-A25E-F429892D6F8C}" type="datetimeFigureOut">
               <a:rPr lang="en-US" smtClean="0"/>
-              <a:t>1/17/24</a:t>
+              <a:t>1/24/24</a:t>
             </a:fld>
             <a:endParaRPr lang="en-US"/>
           </a:p>
@@ -1812,7 +1818,7 @@
           <a:p>
             <a:fld id="{E05ED4C6-93C0-7D41-A25E-F429892D6F8C}" type="datetimeFigureOut">
               <a:rPr lang="en-US" smtClean="0"/>
-              <a:t>1/17/24</a:t>
+              <a:t>1/24/24</a:t>
             </a:fld>
             <a:endParaRPr lang="en-US"/>
           </a:p>
@@ -1953,7 +1959,7 @@
           <a:p>
             <a:fld id="{E05ED4C6-93C0-7D41-A25E-F429892D6F8C}" type="datetimeFigureOut">
               <a:rPr lang="en-US" smtClean="0"/>
-              <a:t>1/17/24</a:t>
+              <a:t>1/24/24</a:t>
             </a:fld>
             <a:endParaRPr lang="en-US"/>
           </a:p>
@@ -2066,7 +2072,7 @@
           <a:p>
             <a:fld id="{E05ED4C6-93C0-7D41-A25E-F429892D6F8C}" type="datetimeFigureOut">
               <a:rPr lang="en-US" smtClean="0"/>
-              <a:t>1/17/24</a:t>
+              <a:t>1/24/24</a:t>
             </a:fld>
             <a:endParaRPr lang="en-US"/>
           </a:p>
@@ -2377,7 +2383,7 @@
           <a:p>
             <a:fld id="{E05ED4C6-93C0-7D41-A25E-F429892D6F8C}" type="datetimeFigureOut">
               <a:rPr lang="en-US" smtClean="0"/>
-              <a:t>1/17/24</a:t>
+              <a:t>1/24/24</a:t>
             </a:fld>
             <a:endParaRPr lang="en-US"/>
           </a:p>
@@ -2665,7 +2671,7 @@
           <a:p>
             <a:fld id="{E05ED4C6-93C0-7D41-A25E-F429892D6F8C}" type="datetimeFigureOut">
               <a:rPr lang="en-US" smtClean="0"/>
-              <a:t>1/17/24</a:t>
+              <a:t>1/24/24</a:t>
             </a:fld>
             <a:endParaRPr lang="en-US"/>
           </a:p>
@@ -2906,7 +2912,7 @@
           <a:p>
             <a:fld id="{E05ED4C6-93C0-7D41-A25E-F429892D6F8C}" type="datetimeFigureOut">
               <a:rPr lang="en-US" smtClean="0"/>
-              <a:t>1/17/24</a:t>
+              <a:t>1/24/24</a:t>
             </a:fld>
             <a:endParaRPr lang="en-US"/>
           </a:p>
@@ -3797,6 +3803,530 @@
 </p:sld>
 </file>
 
+<file path=ppt/slides/slide4.xml><?xml version="1.0" encoding="utf-8"?>
+<p:sld xmlns:a="http://schemas.openxmlformats.org/drawingml/2006/main" xmlns:r="http://schemas.openxmlformats.org/officeDocument/2006/relationships" xmlns:p="http://schemas.openxmlformats.org/presentationml/2006/main">
+  <p:cSld>
+    <p:spTree>
+      <p:nvGrpSpPr>
+        <p:cNvPr id="1" name=""/>
+        <p:cNvGrpSpPr/>
+        <p:nvPr/>
+      </p:nvGrpSpPr>
+      <p:grpSpPr>
+        <a:xfrm>
+          <a:off x="0" y="0"/>
+          <a:ext cx="0" cy="0"/>
+          <a:chOff x="0" y="0"/>
+          <a:chExt cx="0" cy="0"/>
+        </a:xfrm>
+      </p:grpSpPr>
+      <p:sp>
+        <p:nvSpPr>
+          <p:cNvPr id="2" name="Title 1">
+            <a:extLst>
+              <a:ext uri="{FF2B5EF4-FFF2-40B4-BE49-F238E27FC236}">
+                <a16:creationId xmlns:a16="http://schemas.microsoft.com/office/drawing/2014/main" id="{81D2A668-A1C9-1709-C9BE-42F51560AD2F}"/>
+              </a:ext>
+            </a:extLst>
+          </p:cNvPr>
+          <p:cNvSpPr>
+            <a:spLocks noGrp="1"/>
+          </p:cNvSpPr>
+          <p:nvPr>
+            <p:ph type="title"/>
+          </p:nvPr>
+        </p:nvSpPr>
+        <p:spPr/>
+        <p:txBody>
+          <a:bodyPr/>
+          <a:lstStyle/>
+          <a:p>
+            <a:endParaRPr lang="en-US"/>
+          </a:p>
+        </p:txBody>
+      </p:sp>
+      <p:sp>
+        <p:nvSpPr>
+          <p:cNvPr id="3" name="Content Placeholder 2">
+            <a:extLst>
+              <a:ext uri="{FF2B5EF4-FFF2-40B4-BE49-F238E27FC236}">
+                <a16:creationId xmlns:a16="http://schemas.microsoft.com/office/drawing/2014/main" id="{8992CEDB-8E21-1AE4-5460-A5D1BC262FCF}"/>
+              </a:ext>
+            </a:extLst>
+          </p:cNvPr>
+          <p:cNvSpPr>
+            <a:spLocks noGrp="1"/>
+          </p:cNvSpPr>
+          <p:nvPr>
+            <p:ph idx="1"/>
+          </p:nvPr>
+        </p:nvSpPr>
+        <p:spPr>
+          <a:xfrm>
+            <a:off x="838200" y="5146431"/>
+            <a:ext cx="10515600" cy="1030532"/>
+          </a:xfrm>
+        </p:spPr>
+        <p:txBody>
+          <a:bodyPr/>
+          <a:lstStyle/>
+          <a:p>
+            <a:endParaRPr lang="en-US"/>
+          </a:p>
+        </p:txBody>
+      </p:sp>
+      <p:sp>
+        <p:nvSpPr>
+          <p:cNvPr id="4" name="Rectangle 3">
+            <a:extLst>
+              <a:ext uri="{FF2B5EF4-FFF2-40B4-BE49-F238E27FC236}">
+                <a16:creationId xmlns:a16="http://schemas.microsoft.com/office/drawing/2014/main" id="{A32DCCD9-E5A7-7066-EE43-148E560571C5}"/>
+              </a:ext>
+            </a:extLst>
+          </p:cNvPr>
+          <p:cNvSpPr/>
+          <p:nvPr/>
+        </p:nvSpPr>
+        <p:spPr>
+          <a:xfrm>
+            <a:off x="4472577" y="2298090"/>
+            <a:ext cx="2523968" cy="2184889"/>
+          </a:xfrm>
+          <a:prstGeom prst="rect">
+            <a:avLst/>
+          </a:prstGeom>
+          <a:solidFill>
+            <a:schemeClr val="bg1">
+              <a:lumMod val="85000"/>
+            </a:schemeClr>
+          </a:solidFill>
+        </p:spPr>
+        <p:style>
+          <a:lnRef idx="2">
+            <a:schemeClr val="accent1">
+              <a:shade val="15000"/>
+            </a:schemeClr>
+          </a:lnRef>
+          <a:fillRef idx="1">
+            <a:schemeClr val="accent1"/>
+          </a:fillRef>
+          <a:effectRef idx="0">
+            <a:schemeClr val="accent1"/>
+          </a:effectRef>
+          <a:fontRef idx="minor">
+            <a:schemeClr val="lt1"/>
+          </a:fontRef>
+        </p:style>
+        <p:txBody>
+          <a:bodyPr rtlCol="0" anchor="ctr"/>
+          <a:lstStyle/>
+          <a:p>
+            <a:pPr algn="ctr"/>
+            <a:endParaRPr lang="en-US"/>
+          </a:p>
+        </p:txBody>
+      </p:sp>
+      <p:sp>
+        <p:nvSpPr>
+          <p:cNvPr id="5" name="Can 4">
+            <a:extLst>
+              <a:ext uri="{FF2B5EF4-FFF2-40B4-BE49-F238E27FC236}">
+                <a16:creationId xmlns:a16="http://schemas.microsoft.com/office/drawing/2014/main" id="{379D4192-F34F-E013-64F0-4A922D621D03}"/>
+              </a:ext>
+            </a:extLst>
+          </p:cNvPr>
+          <p:cNvSpPr/>
+          <p:nvPr/>
+        </p:nvSpPr>
+        <p:spPr>
+          <a:xfrm>
+            <a:off x="1852246" y="2274277"/>
+            <a:ext cx="1746739" cy="855785"/>
+          </a:xfrm>
+          <a:prstGeom prst="can">
+            <a:avLst>
+              <a:gd name="adj" fmla="val 14831"/>
+            </a:avLst>
+          </a:prstGeom>
+        </p:spPr>
+        <p:style>
+          <a:lnRef idx="2">
+            <a:schemeClr val="accent1">
+              <a:shade val="15000"/>
+            </a:schemeClr>
+          </a:lnRef>
+          <a:fillRef idx="1">
+            <a:schemeClr val="accent1"/>
+          </a:fillRef>
+          <a:effectRef idx="0">
+            <a:schemeClr val="accent1"/>
+          </a:effectRef>
+          <a:fontRef idx="minor">
+            <a:schemeClr val="lt1"/>
+          </a:fontRef>
+        </p:style>
+        <p:txBody>
+          <a:bodyPr rtlCol="0" anchor="ctr"/>
+          <a:lstStyle/>
+          <a:p>
+            <a:pPr algn="ctr"/>
+            <a:r>
+              <a:rPr lang="en-US" dirty="0"/>
+              <a:t>Desktop</a:t>
+            </a:r>
+          </a:p>
+          <a:p>
+            <a:pPr algn="ctr"/>
+            <a:r>
+              <a:rPr lang="en-US" dirty="0"/>
+              <a:t>File System</a:t>
+            </a:r>
+          </a:p>
+        </p:txBody>
+      </p:sp>
+      <p:sp>
+        <p:nvSpPr>
+          <p:cNvPr id="6" name="Can 5">
+            <a:extLst>
+              <a:ext uri="{FF2B5EF4-FFF2-40B4-BE49-F238E27FC236}">
+                <a16:creationId xmlns:a16="http://schemas.microsoft.com/office/drawing/2014/main" id="{D20FEFCB-A174-20B6-CD34-016A94CB3B4E}"/>
+              </a:ext>
+            </a:extLst>
+          </p:cNvPr>
+          <p:cNvSpPr/>
+          <p:nvPr/>
+        </p:nvSpPr>
+        <p:spPr>
+          <a:xfrm>
+            <a:off x="1852246" y="3508497"/>
+            <a:ext cx="1746739" cy="1030532"/>
+          </a:xfrm>
+          <a:prstGeom prst="can">
+            <a:avLst>
+              <a:gd name="adj" fmla="val 14831"/>
+            </a:avLst>
+          </a:prstGeom>
+        </p:spPr>
+        <p:style>
+          <a:lnRef idx="2">
+            <a:schemeClr val="accent1">
+              <a:shade val="15000"/>
+            </a:schemeClr>
+          </a:lnRef>
+          <a:fillRef idx="1">
+            <a:schemeClr val="accent1"/>
+          </a:fillRef>
+          <a:effectRef idx="0">
+            <a:schemeClr val="accent1"/>
+          </a:effectRef>
+          <a:fontRef idx="minor">
+            <a:schemeClr val="lt1"/>
+          </a:fontRef>
+        </p:style>
+        <p:txBody>
+          <a:bodyPr rtlCol="0" anchor="ctr"/>
+          <a:lstStyle/>
+          <a:p>
+            <a:pPr algn="ctr"/>
+            <a:r>
+              <a:rPr lang="en-US" dirty="0"/>
+              <a:t>MicroController</a:t>
+            </a:r>
+          </a:p>
+          <a:p>
+            <a:pPr algn="ctr"/>
+            <a:r>
+              <a:rPr lang="en-US" dirty="0"/>
+              <a:t>File System</a:t>
+            </a:r>
+          </a:p>
+        </p:txBody>
+      </p:sp>
+      <p:sp>
+        <p:nvSpPr>
+          <p:cNvPr id="7" name="TextBox 6">
+            <a:extLst>
+              <a:ext uri="{FF2B5EF4-FFF2-40B4-BE49-F238E27FC236}">
+                <a16:creationId xmlns:a16="http://schemas.microsoft.com/office/drawing/2014/main" id="{555C5453-AC03-7786-16EC-F0690E5D6CA4}"/>
+              </a:ext>
+            </a:extLst>
+          </p:cNvPr>
+          <p:cNvSpPr txBox="1"/>
+          <p:nvPr/>
+        </p:nvSpPr>
+        <p:spPr>
+          <a:xfrm>
+            <a:off x="5198960" y="1929291"/>
+            <a:ext cx="897040" cy="369332"/>
+          </a:xfrm>
+          <a:prstGeom prst="rect">
+            <a:avLst/>
+          </a:prstGeom>
+          <a:noFill/>
+        </p:spPr>
+        <p:txBody>
+          <a:bodyPr wrap="none" rtlCol="0">
+            <a:spAutoFit/>
+          </a:bodyPr>
+          <a:lstStyle/>
+          <a:p>
+            <a:pPr algn="ctr"/>
+            <a:r>
+              <a:rPr lang="en-US" b="1" dirty="0"/>
+              <a:t>Thonny</a:t>
+            </a:r>
+          </a:p>
+        </p:txBody>
+      </p:sp>
+      <p:cxnSp>
+        <p:nvCxnSpPr>
+          <p:cNvPr id="9" name="Straight Arrow Connector 8">
+            <a:extLst>
+              <a:ext uri="{FF2B5EF4-FFF2-40B4-BE49-F238E27FC236}">
+                <a16:creationId xmlns:a16="http://schemas.microsoft.com/office/drawing/2014/main" id="{B242E4E3-C273-9948-0E05-4BB83BB71BD8}"/>
+              </a:ext>
+            </a:extLst>
+          </p:cNvPr>
+          <p:cNvCxnSpPr>
+            <a:cxnSpLocks/>
+            <a:endCxn id="6" idx="4"/>
+          </p:cNvCxnSpPr>
+          <p:nvPr/>
+        </p:nvCxnSpPr>
+        <p:spPr>
+          <a:xfrm flipH="1">
+            <a:off x="3598985" y="3893127"/>
+            <a:ext cx="873592" cy="130636"/>
+          </a:xfrm>
+          <a:prstGeom prst="straightConnector1">
+            <a:avLst/>
+          </a:prstGeom>
+          <a:ln w="127000">
+            <a:solidFill>
+              <a:schemeClr val="tx1"/>
+            </a:solidFill>
+            <a:tailEnd type="triangle"/>
+          </a:ln>
+        </p:spPr>
+        <p:style>
+          <a:lnRef idx="1">
+            <a:schemeClr val="accent1"/>
+          </a:lnRef>
+          <a:fillRef idx="0">
+            <a:schemeClr val="accent1"/>
+          </a:fillRef>
+          <a:effectRef idx="0">
+            <a:schemeClr val="accent1"/>
+          </a:effectRef>
+          <a:fontRef idx="minor">
+            <a:schemeClr val="tx1"/>
+          </a:fontRef>
+        </p:style>
+      </p:cxnSp>
+      <p:cxnSp>
+        <p:nvCxnSpPr>
+          <p:cNvPr id="11" name="Straight Arrow Connector 10">
+            <a:extLst>
+              <a:ext uri="{FF2B5EF4-FFF2-40B4-BE49-F238E27FC236}">
+                <a16:creationId xmlns:a16="http://schemas.microsoft.com/office/drawing/2014/main" id="{E4DBBAA4-2202-56C5-AEBA-1D489E86383A}"/>
+              </a:ext>
+            </a:extLst>
+          </p:cNvPr>
+          <p:cNvCxnSpPr>
+            <a:cxnSpLocks/>
+          </p:cNvCxnSpPr>
+          <p:nvPr/>
+        </p:nvCxnSpPr>
+        <p:spPr>
+          <a:xfrm flipH="1" flipV="1">
+            <a:off x="3575538" y="2692295"/>
+            <a:ext cx="897039" cy="300936"/>
+          </a:xfrm>
+          <a:prstGeom prst="straightConnector1">
+            <a:avLst/>
+          </a:prstGeom>
+          <a:ln w="127000">
+            <a:solidFill>
+              <a:schemeClr val="tx1"/>
+            </a:solidFill>
+            <a:tailEnd type="triangle"/>
+          </a:ln>
+        </p:spPr>
+        <p:style>
+          <a:lnRef idx="1">
+            <a:schemeClr val="accent1"/>
+          </a:lnRef>
+          <a:fillRef idx="0">
+            <a:schemeClr val="accent1"/>
+          </a:fillRef>
+          <a:effectRef idx="0">
+            <a:schemeClr val="accent1"/>
+          </a:effectRef>
+          <a:fontRef idx="minor">
+            <a:schemeClr val="tx1"/>
+          </a:fontRef>
+        </p:style>
+      </p:cxnSp>
+      <p:sp>
+        <p:nvSpPr>
+          <p:cNvPr id="13" name="Rectangle 12">
+            <a:extLst>
+              <a:ext uri="{FF2B5EF4-FFF2-40B4-BE49-F238E27FC236}">
+                <a16:creationId xmlns:a16="http://schemas.microsoft.com/office/drawing/2014/main" id="{2DD84350-AC0C-02CA-CC29-3E05F5B9C4E1}"/>
+              </a:ext>
+            </a:extLst>
+          </p:cNvPr>
+          <p:cNvSpPr/>
+          <p:nvPr/>
+        </p:nvSpPr>
+        <p:spPr>
+          <a:xfrm>
+            <a:off x="4572000" y="2354140"/>
+            <a:ext cx="750277" cy="1036394"/>
+          </a:xfrm>
+          <a:prstGeom prst="rect">
+            <a:avLst/>
+          </a:prstGeom>
+          <a:solidFill>
+            <a:schemeClr val="bg1"/>
+          </a:solidFill>
+        </p:spPr>
+        <p:style>
+          <a:lnRef idx="2">
+            <a:schemeClr val="accent1">
+              <a:shade val="15000"/>
+            </a:schemeClr>
+          </a:lnRef>
+          <a:fillRef idx="1">
+            <a:schemeClr val="accent1"/>
+          </a:fillRef>
+          <a:effectRef idx="0">
+            <a:schemeClr val="accent1"/>
+          </a:effectRef>
+          <a:fontRef idx="minor">
+            <a:schemeClr val="lt1"/>
+          </a:fontRef>
+        </p:style>
+        <p:txBody>
+          <a:bodyPr rtlCol="0" anchor="ctr"/>
+          <a:lstStyle/>
+          <a:p>
+            <a:pPr algn="ctr"/>
+            <a:endParaRPr lang="en-US"/>
+          </a:p>
+        </p:txBody>
+      </p:sp>
+      <p:sp>
+        <p:nvSpPr>
+          <p:cNvPr id="14" name="Rectangle 13">
+            <a:extLst>
+              <a:ext uri="{FF2B5EF4-FFF2-40B4-BE49-F238E27FC236}">
+                <a16:creationId xmlns:a16="http://schemas.microsoft.com/office/drawing/2014/main" id="{E4F337E7-5149-A3E9-1E68-18650894FDF2}"/>
+              </a:ext>
+            </a:extLst>
+          </p:cNvPr>
+          <p:cNvSpPr/>
+          <p:nvPr/>
+        </p:nvSpPr>
+        <p:spPr>
+          <a:xfrm>
+            <a:off x="4571999" y="3467466"/>
+            <a:ext cx="750277" cy="943857"/>
+          </a:xfrm>
+          <a:prstGeom prst="rect">
+            <a:avLst/>
+          </a:prstGeom>
+          <a:solidFill>
+            <a:schemeClr val="bg1"/>
+          </a:solidFill>
+        </p:spPr>
+        <p:style>
+          <a:lnRef idx="2">
+            <a:schemeClr val="accent1">
+              <a:shade val="15000"/>
+            </a:schemeClr>
+          </a:lnRef>
+          <a:fillRef idx="1">
+            <a:schemeClr val="accent1"/>
+          </a:fillRef>
+          <a:effectRef idx="0">
+            <a:schemeClr val="accent1"/>
+          </a:effectRef>
+          <a:fontRef idx="minor">
+            <a:schemeClr val="lt1"/>
+          </a:fontRef>
+        </p:style>
+        <p:txBody>
+          <a:bodyPr rtlCol="0" anchor="ctr"/>
+          <a:lstStyle/>
+          <a:p>
+            <a:pPr algn="ctr"/>
+            <a:endParaRPr lang="en-US"/>
+          </a:p>
+        </p:txBody>
+      </p:sp>
+      <p:sp>
+        <p:nvSpPr>
+          <p:cNvPr id="15" name="Rectangle 14">
+            <a:extLst>
+              <a:ext uri="{FF2B5EF4-FFF2-40B4-BE49-F238E27FC236}">
+                <a16:creationId xmlns:a16="http://schemas.microsoft.com/office/drawing/2014/main" id="{860C8072-981E-44F2-E703-A875D0A41C9F}"/>
+              </a:ext>
+            </a:extLst>
+          </p:cNvPr>
+          <p:cNvSpPr/>
+          <p:nvPr/>
+        </p:nvSpPr>
+        <p:spPr>
+          <a:xfrm>
+            <a:off x="5421388" y="2365729"/>
+            <a:ext cx="1448337" cy="2045593"/>
+          </a:xfrm>
+          <a:prstGeom prst="rect">
+            <a:avLst/>
+          </a:prstGeom>
+          <a:solidFill>
+            <a:schemeClr val="bg1"/>
+          </a:solidFill>
+        </p:spPr>
+        <p:style>
+          <a:lnRef idx="2">
+            <a:schemeClr val="accent1">
+              <a:shade val="15000"/>
+            </a:schemeClr>
+          </a:lnRef>
+          <a:fillRef idx="1">
+            <a:schemeClr val="accent1"/>
+          </a:fillRef>
+          <a:effectRef idx="0">
+            <a:schemeClr val="accent1"/>
+          </a:effectRef>
+          <a:fontRef idx="minor">
+            <a:schemeClr val="lt1"/>
+          </a:fontRef>
+        </p:style>
+        <p:txBody>
+          <a:bodyPr rtlCol="0" anchor="ctr"/>
+          <a:lstStyle/>
+          <a:p>
+            <a:pPr algn="ctr"/>
+            <a:endParaRPr lang="en-US"/>
+          </a:p>
+        </p:txBody>
+      </p:sp>
+    </p:spTree>
+    <p:extLst>
+      <p:ext uri="{BB962C8B-B14F-4D97-AF65-F5344CB8AC3E}">
+        <p14:creationId xmlns:p14="http://schemas.microsoft.com/office/powerpoint/2010/main" val="2134603712"/>
+      </p:ext>
+    </p:extLst>
+  </p:cSld>
+  <p:clrMapOvr>
+    <a:masterClrMapping/>
+  </p:clrMapOvr>
+</p:sld>
+</file>
+
 <file path=ppt/theme/theme1.xml><?xml version="1.0" encoding="utf-8"?>
 <a:theme xmlns:a="http://schemas.openxmlformats.org/drawingml/2006/main" name="Office Theme">
   <a:themeElements>
